--- a/Docs/SSN.pptx
+++ b/Docs/SSN.pptx
@@ -299,7 +299,7 @@
           <a:p>
             <a:fld id="{CBA7359E-8EAE-4DAB-A412-E553097DF887}" type="datetimeFigureOut">
               <a:rPr lang="fr-CA" smtClean="0"/>
-              <a:t>2022-08-11</a:t>
+              <a:t>2022-08-15</a:t>
             </a:fld>
             <a:endParaRPr lang="fr-CA"/>
           </a:p>
@@ -499,7 +499,7 @@
           <a:p>
             <a:fld id="{CBA7359E-8EAE-4DAB-A412-E553097DF887}" type="datetimeFigureOut">
               <a:rPr lang="fr-CA" smtClean="0"/>
-              <a:t>2022-08-11</a:t>
+              <a:t>2022-08-15</a:t>
             </a:fld>
             <a:endParaRPr lang="fr-CA"/>
           </a:p>
@@ -709,7 +709,7 @@
           <a:p>
             <a:fld id="{CBA7359E-8EAE-4DAB-A412-E553097DF887}" type="datetimeFigureOut">
               <a:rPr lang="fr-CA" smtClean="0"/>
-              <a:t>2022-08-11</a:t>
+              <a:t>2022-08-15</a:t>
             </a:fld>
             <a:endParaRPr lang="fr-CA"/>
           </a:p>
@@ -909,7 +909,7 @@
           <a:p>
             <a:fld id="{CBA7359E-8EAE-4DAB-A412-E553097DF887}" type="datetimeFigureOut">
               <a:rPr lang="fr-CA" smtClean="0"/>
-              <a:t>2022-08-11</a:t>
+              <a:t>2022-08-15</a:t>
             </a:fld>
             <a:endParaRPr lang="fr-CA"/>
           </a:p>
@@ -1185,7 +1185,7 @@
           <a:p>
             <a:fld id="{CBA7359E-8EAE-4DAB-A412-E553097DF887}" type="datetimeFigureOut">
               <a:rPr lang="fr-CA" smtClean="0"/>
-              <a:t>2022-08-11</a:t>
+              <a:t>2022-08-15</a:t>
             </a:fld>
             <a:endParaRPr lang="fr-CA"/>
           </a:p>
@@ -1453,7 +1453,7 @@
           <a:p>
             <a:fld id="{CBA7359E-8EAE-4DAB-A412-E553097DF887}" type="datetimeFigureOut">
               <a:rPr lang="fr-CA" smtClean="0"/>
-              <a:t>2022-08-11</a:t>
+              <a:t>2022-08-15</a:t>
             </a:fld>
             <a:endParaRPr lang="fr-CA"/>
           </a:p>
@@ -1868,7 +1868,7 @@
           <a:p>
             <a:fld id="{CBA7359E-8EAE-4DAB-A412-E553097DF887}" type="datetimeFigureOut">
               <a:rPr lang="fr-CA" smtClean="0"/>
-              <a:t>2022-08-11</a:t>
+              <a:t>2022-08-15</a:t>
             </a:fld>
             <a:endParaRPr lang="fr-CA"/>
           </a:p>
@@ -2010,7 +2010,7 @@
           <a:p>
             <a:fld id="{CBA7359E-8EAE-4DAB-A412-E553097DF887}" type="datetimeFigureOut">
               <a:rPr lang="fr-CA" smtClean="0"/>
-              <a:t>2022-08-11</a:t>
+              <a:t>2022-08-15</a:t>
             </a:fld>
             <a:endParaRPr lang="fr-CA"/>
           </a:p>
@@ -2123,7 +2123,7 @@
           <a:p>
             <a:fld id="{CBA7359E-8EAE-4DAB-A412-E553097DF887}" type="datetimeFigureOut">
               <a:rPr lang="fr-CA" smtClean="0"/>
-              <a:t>2022-08-11</a:t>
+              <a:t>2022-08-15</a:t>
             </a:fld>
             <a:endParaRPr lang="fr-CA"/>
           </a:p>
@@ -2436,7 +2436,7 @@
           <a:p>
             <a:fld id="{CBA7359E-8EAE-4DAB-A412-E553097DF887}" type="datetimeFigureOut">
               <a:rPr lang="fr-CA" smtClean="0"/>
-              <a:t>2022-08-11</a:t>
+              <a:t>2022-08-15</a:t>
             </a:fld>
             <a:endParaRPr lang="fr-CA"/>
           </a:p>
@@ -2725,7 +2725,7 @@
           <a:p>
             <a:fld id="{CBA7359E-8EAE-4DAB-A412-E553097DF887}" type="datetimeFigureOut">
               <a:rPr lang="fr-CA" smtClean="0"/>
-              <a:t>2022-08-11</a:t>
+              <a:t>2022-08-15</a:t>
             </a:fld>
             <a:endParaRPr lang="fr-CA"/>
           </a:p>
@@ -2968,7 +2968,7 @@
           <a:p>
             <a:fld id="{CBA7359E-8EAE-4DAB-A412-E553097DF887}" type="datetimeFigureOut">
               <a:rPr lang="fr-CA" smtClean="0"/>
-              <a:t>2022-08-11</a:t>
+              <a:t>2022-08-15</a:t>
             </a:fld>
             <a:endParaRPr lang="fr-CA"/>
           </a:p>
@@ -3399,7 +3399,7 @@
         </p:nvSpPr>
         <p:spPr>
           <a:xfrm>
-            <a:off x="-72428" y="0"/>
+            <a:off x="0" y="0"/>
             <a:ext cx="12264428" cy="6858000"/>
           </a:xfrm>
           <a:prstGeom prst="rect">
@@ -3462,9 +3462,7 @@
             <a:r>
               <a:rPr lang="fr-CA" sz="7200" i="1" dirty="0">
                 <a:solidFill>
-                  <a:schemeClr val="bg1">
-                    <a:lumMod val="75000"/>
-                  </a:schemeClr>
+                  <a:schemeClr val="bg1"/>
                 </a:solidFill>
                 <a:latin typeface="Cooper Black" panose="0208090404030B020404" pitchFamily="18" charset="0"/>
               </a:rPr>
@@ -3623,7 +3621,7 @@
         </p:nvSpPr>
         <p:spPr>
           <a:xfrm rot="20713891">
-            <a:off x="2376404" y="2371263"/>
+            <a:off x="1824142" y="2126820"/>
             <a:ext cx="7439191" cy="2400657"/>
           </a:xfrm>
           <a:prstGeom prst="rect">
@@ -3640,9 +3638,7 @@
             <a:r>
               <a:rPr lang="fr-CA" sz="15000" i="1" dirty="0">
                 <a:solidFill>
-                  <a:schemeClr val="bg1">
-                    <a:lumMod val="75000"/>
-                  </a:schemeClr>
+                  <a:schemeClr val="bg1"/>
                 </a:solidFill>
                 <a:latin typeface="Viner Hand ITC" panose="03070502030502020203" pitchFamily="66" charset="0"/>
               </a:rPr>
